--- a/resources/gettingStarted/tag_flowchart.pptx
+++ b/resources/gettingStarted/tag_flowchart.pptx
@@ -289,7 +289,7 @@
             <a:fld id="{90F34A1F-72DA-4C40-AA21-704C75E38360}" type="datetimeFigureOut">
               <a:rPr lang="en-US" smtClean="0"/>
               <a:pPr/>
-              <a:t>9/26/11</a:t>
+              <a:t>9/27/11</a:t>
             </a:fld>
             <a:endParaRPr lang="en-US"/>
           </a:p>
@@ -456,7 +456,7 @@
             <a:fld id="{90F34A1F-72DA-4C40-AA21-704C75E38360}" type="datetimeFigureOut">
               <a:rPr lang="en-US" smtClean="0"/>
               <a:pPr/>
-              <a:t>9/26/11</a:t>
+              <a:t>9/27/11</a:t>
             </a:fld>
             <a:endParaRPr lang="en-US"/>
           </a:p>
@@ -633,7 +633,7 @@
             <a:fld id="{90F34A1F-72DA-4C40-AA21-704C75E38360}" type="datetimeFigureOut">
               <a:rPr lang="en-US" smtClean="0"/>
               <a:pPr/>
-              <a:t>9/26/11</a:t>
+              <a:t>9/27/11</a:t>
             </a:fld>
             <a:endParaRPr lang="en-US"/>
           </a:p>
@@ -800,7 +800,7 @@
             <a:fld id="{90F34A1F-72DA-4C40-AA21-704C75E38360}" type="datetimeFigureOut">
               <a:rPr lang="en-US" smtClean="0"/>
               <a:pPr/>
-              <a:t>9/26/11</a:t>
+              <a:t>9/27/11</a:t>
             </a:fld>
             <a:endParaRPr lang="en-US"/>
           </a:p>
@@ -1043,7 +1043,7 @@
             <a:fld id="{90F34A1F-72DA-4C40-AA21-704C75E38360}" type="datetimeFigureOut">
               <a:rPr lang="en-US" smtClean="0"/>
               <a:pPr/>
-              <a:t>9/26/11</a:t>
+              <a:t>9/27/11</a:t>
             </a:fld>
             <a:endParaRPr lang="en-US"/>
           </a:p>
@@ -1328,7 +1328,7 @@
             <a:fld id="{90F34A1F-72DA-4C40-AA21-704C75E38360}" type="datetimeFigureOut">
               <a:rPr lang="en-US" smtClean="0"/>
               <a:pPr/>
-              <a:t>9/26/11</a:t>
+              <a:t>9/27/11</a:t>
             </a:fld>
             <a:endParaRPr lang="en-US"/>
           </a:p>
@@ -1747,7 +1747,7 @@
             <a:fld id="{90F34A1F-72DA-4C40-AA21-704C75E38360}" type="datetimeFigureOut">
               <a:rPr lang="en-US" smtClean="0"/>
               <a:pPr/>
-              <a:t>9/26/11</a:t>
+              <a:t>9/27/11</a:t>
             </a:fld>
             <a:endParaRPr lang="en-US"/>
           </a:p>
@@ -1862,7 +1862,7 @@
             <a:fld id="{90F34A1F-72DA-4C40-AA21-704C75E38360}" type="datetimeFigureOut">
               <a:rPr lang="en-US" smtClean="0"/>
               <a:pPr/>
-              <a:t>9/26/11</a:t>
+              <a:t>9/27/11</a:t>
             </a:fld>
             <a:endParaRPr lang="en-US"/>
           </a:p>
@@ -1954,7 +1954,7 @@
             <a:fld id="{90F34A1F-72DA-4C40-AA21-704C75E38360}" type="datetimeFigureOut">
               <a:rPr lang="en-US" smtClean="0"/>
               <a:pPr/>
-              <a:t>9/26/11</a:t>
+              <a:t>9/27/11</a:t>
             </a:fld>
             <a:endParaRPr lang="en-US"/>
           </a:p>
@@ -2228,7 +2228,7 @@
             <a:fld id="{90F34A1F-72DA-4C40-AA21-704C75E38360}" type="datetimeFigureOut">
               <a:rPr lang="en-US" smtClean="0"/>
               <a:pPr/>
-              <a:t>9/26/11</a:t>
+              <a:t>9/27/11</a:t>
             </a:fld>
             <a:endParaRPr lang="en-US"/>
           </a:p>
@@ -2478,7 +2478,7 @@
             <a:fld id="{90F34A1F-72DA-4C40-AA21-704C75E38360}" type="datetimeFigureOut">
               <a:rPr lang="en-US" smtClean="0"/>
               <a:pPr/>
-              <a:t>9/26/11</a:t>
+              <a:t>9/27/11</a:t>
             </a:fld>
             <a:endParaRPr lang="en-US"/>
           </a:p>
@@ -2688,7 +2688,7 @@
             <a:fld id="{90F34A1F-72DA-4C40-AA21-704C75E38360}" type="datetimeFigureOut">
               <a:rPr lang="en-US" smtClean="0"/>
               <a:pPr/>
-              <a:t>9/26/11</a:t>
+              <a:t>9/27/11</a:t>
             </a:fld>
             <a:endParaRPr lang="en-US"/>
           </a:p>
@@ -3576,7 +3576,7 @@
         <p:spPr>
           <a:xfrm>
             <a:off x="329885" y="2118989"/>
-            <a:ext cx="4317671" cy="646331"/>
+            <a:ext cx="3978636" cy="646331"/>
           </a:xfrm>
           <a:prstGeom prst="rect">
             <a:avLst/>
@@ -3591,7 +3591,19 @@
           <a:p>
             <a:r>
               <a:rPr lang="en-US" dirty="0" smtClean="0"/>
-              <a:t>Step 2: Does your animal release exist in the </a:t>
+              <a:t>Step 2: Does </a:t>
+            </a:r>
+            <a:r>
+              <a:rPr lang="en-US" smtClean="0"/>
+              <a:t>your</a:t>
+            </a:r>
+            <a:r>
+              <a:rPr lang="en-US" smtClean="0"/>
+              <a:t> tag </a:t>
+            </a:r>
+            <a:r>
+              <a:rPr lang="en-US" dirty="0" smtClean="0"/>
+              <a:t>release exist in the </a:t>
             </a:r>
           </a:p>
           <a:p>
